--- a/Web.pptx
+++ b/Web.pptx
@@ -196,7 +196,7 @@
           <a:p>
             <a:fld id="{A6EEC9E3-C96F-41F5-A8A8-FD3CB0E72109}" type="datetimeFigureOut">
               <a:rPr lang="en-US" smtClean="0"/>
-              <a:t>4/14/2024</a:t>
+              <a:t>4/19/2024</a:t>
             </a:fld>
             <a:endParaRPr lang="en-US"/>
           </a:p>
@@ -859,6 +859,106 @@
 </p:notes>
 </file>
 
+<file path=ppt/notesSlides/notesSlide5.xml><?xml version="1.0" encoding="utf-8"?>
+<p:notes xmlns:a="http://schemas.openxmlformats.org/drawingml/2006/main" xmlns:r="http://schemas.openxmlformats.org/officeDocument/2006/relationships" xmlns:p="http://schemas.openxmlformats.org/presentationml/2006/main">
+  <p:cSld>
+    <p:spTree>
+      <p:nvGrpSpPr>
+        <p:cNvPr id="1" name=""/>
+        <p:cNvGrpSpPr/>
+        <p:nvPr/>
+      </p:nvGrpSpPr>
+      <p:grpSpPr>
+        <a:xfrm>
+          <a:off x="0" y="0"/>
+          <a:ext cx="0" cy="0"/>
+          <a:chOff x="0" y="0"/>
+          <a:chExt cx="0" cy="0"/>
+        </a:xfrm>
+      </p:grpSpPr>
+      <p:sp>
+        <p:nvSpPr>
+          <p:cNvPr id="2" name="Заполнитель изображения слайда 1"/>
+          <p:cNvSpPr>
+            <a:spLocks noGrp="1" noRot="1" noChangeAspect="1" noEditPoints="1"/>
+          </p:cNvSpPr>
+          <p:nvPr>
+            <p:ph type="sldImg"/>
+          </p:nvPr>
+        </p:nvSpPr>
+        <p:spPr>
+          <a:xfrm>
+            <a:off x="685800" y="1143000"/>
+            <a:ext cx="5486400" cy="3086100"/>
+          </a:xfrm>
+          <a:prstGeom prst="rect">
+            <a:avLst/>
+          </a:prstGeom>
+        </p:spPr>
+        <p:txBody>
+          <a:bodyPr/>
+          <a:lstStyle/>
+          <a:p/>
+        </p:txBody>
+      </p:sp>
+      <p:sp>
+        <p:nvSpPr>
+          <p:cNvPr id="3" name="Заполнитель текста 2"/>
+          <p:cNvSpPr>
+            <a:spLocks noGrp="1" noEditPoints="1"/>
+          </p:cNvSpPr>
+          <p:nvPr>
+            <p:ph type="body" idx="3"/>
+          </p:nvPr>
+        </p:nvSpPr>
+        <p:spPr>
+          <a:prstGeom prst="rect">
+            <a:avLst/>
+          </a:prstGeom>
+        </p:spPr>
+        <p:txBody>
+          <a:bodyPr/>
+          <a:lstStyle/>
+          <a:p>
+            <a:endParaRPr lang="en-US"/>
+          </a:p>
+        </p:txBody>
+      </p:sp>
+      <p:sp>
+        <p:nvSpPr>
+          <p:cNvPr id="4" name="Заполнитель номера слайда 3"/>
+          <p:cNvSpPr>
+            <a:spLocks noGrp="1" noEditPoints="1"/>
+          </p:cNvSpPr>
+          <p:nvPr>
+            <p:ph type="sldNum" sz="quarter" idx="5"/>
+          </p:nvPr>
+        </p:nvSpPr>
+        <p:spPr>
+          <a:prstGeom prst="rect">
+            <a:avLst/>
+          </a:prstGeom>
+        </p:spPr>
+        <p:txBody>
+          <a:bodyPr/>
+          <a:lstStyle/>
+          <a:p>
+            <a:fld id="{615FF3A3-F11F-420B-82FA-DEAA6EE81EBB}" type="slidenum">
+              <a:rPr lang="en-US" smtClean="0"/>
+              <a:t>‹#›</a:t>
+            </a:fld>
+            <a:endParaRPr lang="en-US"/>
+          </a:p>
+        </p:txBody>
+      </p:sp>
+    </p:spTree>
+  </p:cSld>
+  <p:clrMapOvr>
+    <a:masterClrMapping/>
+  </p:clrMapOvr>
+</p:notes>
+</file>
+
 <file path=ppt/slideLayouts/slideLayout1.xml><?xml version="1.0" encoding="utf-8"?>
 <p:sldLayout xmlns:a="http://schemas.openxmlformats.org/drawingml/2006/main" xmlns:r="http://schemas.openxmlformats.org/officeDocument/2006/relationships" xmlns:p="http://schemas.openxmlformats.org/presentationml/2006/main" type="title" preserve="1">
   <p:cSld name="Титульный слайд">
@@ -33851,7 +33951,7 @@
           <a:p>
             <a:fld id="{BE5A0A4B-84D1-487F-BAEF-7302E632E50E}" type="datetimeFigureOut">
               <a:rPr lang="en-US" smtClean="0"/>
-              <a:t>4/14/2024</a:t>
+              <a:t>4/19/2024</a:t>
             </a:fld>
             <a:endParaRPr lang="en-US"/>
           </a:p>
@@ -34433,7 +34533,12 @@
             <p:ph type="body" sz="quarter" idx="11"/>
           </p:nvPr>
         </p:nvSpPr>
-        <p:spPr/>
+        <p:spPr>
+          <a:xfrm>
+            <a:off x="6467556" y="7641178"/>
+            <a:ext cx="2033947" cy="2294132"/>
+          </a:xfrm>
+        </p:spPr>
         <p:txBody>
           <a:bodyPr>
             <a:normAutofit/>
@@ -34479,13 +34584,22 @@
             <p:ph type="ctrTitle"/>
           </p:nvPr>
         </p:nvSpPr>
-        <p:spPr/>
+        <p:spPr>
+          <a:xfrm>
+            <a:off x="379360" y="-34683"/>
+            <a:ext cx="10953622" cy="1009954"/>
+          </a:xfrm>
+        </p:spPr>
         <p:txBody>
           <a:bodyPr>
             <a:normAutofit/>
           </a:bodyPr>
           <a:lstStyle/>
           <a:p>
+            <a:r>
+              <a:rPr lang="ru-RU" sz="5400" dirty="0"/>
+              <a:t>База данных</a:t>
+            </a:r>
             <a:endParaRPr lang="bg-BG" sz="5400" dirty="0"/>
           </a:p>
         </p:txBody>
@@ -34519,7 +34633,12 @@
             <p:ph type="body" sz="quarter" idx="13"/>
           </p:nvPr>
         </p:nvSpPr>
-        <p:spPr/>
+        <p:spPr>
+          <a:xfrm>
+            <a:off x="2064079" y="2980301"/>
+            <a:ext cx="3868220" cy="2612820"/>
+          </a:xfrm>
+        </p:spPr>
         <p:txBody>
           <a:bodyPr>
             <a:normAutofit/>
@@ -34561,6 +34680,31 @@
           </a:p>
         </p:txBody>
       </p:sp>
+      <p:pic>
+        <p:nvPicPr>
+          <p:cNvPr id="6" name="Изображение 5"/>
+          <p:cNvPicPr>
+            <a:picLocks noChangeAspect="1"/>
+          </p:cNvPicPr>
+          <p:nvPr/>
+        </p:nvPicPr>
+        <p:blipFill>
+          <a:blip r:embed="rId1"/>
+          <a:srcRect/>
+          <a:stretch>
+            <a:fillRect/>
+          </a:stretch>
+        </p:blipFill>
+        <p:spPr>
+          <a:xfrm>
+            <a:off x="1234663" y="975271"/>
+            <a:ext cx="9722674" cy="6001851"/>
+          </a:xfrm>
+          <a:prstGeom prst="rect">
+            <a:avLst/>
+          </a:prstGeom>
+        </p:spPr>
+      </p:pic>
     </p:spTree>
   </p:cSld>
   <p:clrMapOvr>
